--- a/hw/hw2/hw2.pptx
+++ b/hw/hw2/hw2.pptx
@@ -3843,13 +3843,8 @@
             </a:r>
             <a:r>
               <a:rPr lang="en-US" dirty="0"/>
-              <a:t> function in </a:t>
-            </a:r>
-            <a:r>
-              <a:rPr lang="en-US" dirty="0" err="1"/>
-              <a:t>graph.cpp</a:t>
-            </a:r>
-            <a:endParaRPr lang="en-US" dirty="0"/>
+              <a:t> function in hw2.cpp</a:t>
+            </a:r>
           </a:p>
           <a:p>
             <a:pPr marL="800100" lvl="1" indent="-342900" defTabSz="914400">
@@ -3884,13 +3879,8 @@
             </a:r>
             <a:r>
               <a:rPr lang="en-US" dirty="0"/>
-              <a:t> function in </a:t>
-            </a:r>
-            <a:r>
-              <a:rPr lang="en-US" dirty="0" err="1"/>
-              <a:t>graph.cpp</a:t>
-            </a:r>
-            <a:endParaRPr lang="en-US" dirty="0"/>
+              <a:t> function in hw2.cpp</a:t>
+            </a:r>
           </a:p>
           <a:p>
             <a:pPr marL="800100" lvl="1" indent="-342900" defTabSz="914400">
@@ -3950,8 +3940,8 @@
               <a:t>Email me your </a:t>
             </a:r>
             <a:r>
-              <a:rPr lang="en-US" b="1" dirty="0" err="1"/>
-              <a:t>graph.cpp</a:t>
+              <a:rPr lang="en-US" b="1" dirty="0"/>
+              <a:t>hw2.cpp</a:t>
             </a:r>
             <a:r>
               <a:rPr lang="en-US" dirty="0"/>
